--- a/output/Ebook_DIO.pptx
+++ b/output/Ebook_DIO.pptx
@@ -5820,7 +5820,7 @@
                 </a:solidFill>
                 <a:hlinkClick r:id="rId3"/>
               </a:rPr>
-              <a:t>https://github.com/jrobertovl</a:t>
+              <a:t>https://github.com/jrobertovl/prompts-recipe-to-create-a-ebook/</a:t>
             </a:r>
             <a:endParaRPr lang="pt-BR" sz="2800" dirty="0">
               <a:solidFill>

--- a/output/Ebook_DIO.pptx
+++ b/output/Ebook_DIO.pptx
@@ -225,7 +225,7 @@
           <a:p>
             <a:fld id="{750103F3-91A1-4021-955A-EB072616306F}" type="datetimeFigureOut">
               <a:rPr lang="pt-BR" smtClean="0"/>
-              <a:t>01/07/2024</a:t>
+              <a:t>02/07/2024</a:t>
             </a:fld>
             <a:endParaRPr lang="pt-BR"/>
           </a:p>
@@ -623,7 +623,7 @@
           <a:p>
             <a:fld id="{91DF5DAD-5524-4118-9B64-C3957532D00A}" type="datetime1">
               <a:rPr lang="pt-BR" smtClean="0"/>
-              <a:t>01/07/2024</a:t>
+              <a:t>02/07/2024</a:t>
             </a:fld>
             <a:endParaRPr lang="pt-BR"/>
           </a:p>
@@ -796,7 +796,7 @@
           <a:p>
             <a:fld id="{785BB969-D664-4C73-BFE3-1B43780037DB}" type="datetime1">
               <a:rPr lang="pt-BR" smtClean="0"/>
-              <a:t>01/07/2024</a:t>
+              <a:t>02/07/2024</a:t>
             </a:fld>
             <a:endParaRPr lang="pt-BR"/>
           </a:p>
@@ -979,7 +979,7 @@
           <a:p>
             <a:fld id="{78991638-F7F0-4C59-A6F6-07FC64B5CADA}" type="datetime1">
               <a:rPr lang="pt-BR" smtClean="0"/>
-              <a:t>01/07/2024</a:t>
+              <a:t>02/07/2024</a:t>
             </a:fld>
             <a:endParaRPr lang="pt-BR"/>
           </a:p>
@@ -1152,7 +1152,7 @@
           <a:p>
             <a:fld id="{C9A97D0C-D802-43A5-A7BA-7B12C5759D2B}" type="datetime1">
               <a:rPr lang="pt-BR" smtClean="0"/>
-              <a:t>01/07/2024</a:t>
+              <a:t>02/07/2024</a:t>
             </a:fld>
             <a:endParaRPr lang="pt-BR"/>
           </a:p>
@@ -1401,7 +1401,7 @@
           <a:p>
             <a:fld id="{11DC105B-A367-44DC-85CD-BD0C42CD6C78}" type="datetime1">
               <a:rPr lang="pt-BR" smtClean="0"/>
-              <a:t>01/07/2024</a:t>
+              <a:t>02/07/2024</a:t>
             </a:fld>
             <a:endParaRPr lang="pt-BR"/>
           </a:p>
@@ -1636,7 +1636,7 @@
           <a:p>
             <a:fld id="{D0B4C439-0749-438B-9351-67FCCA2F39E7}" type="datetime1">
               <a:rPr lang="pt-BR" smtClean="0"/>
-              <a:t>01/07/2024</a:t>
+              <a:t>02/07/2024</a:t>
             </a:fld>
             <a:endParaRPr lang="pt-BR"/>
           </a:p>
@@ -2006,7 +2006,7 @@
           <a:p>
             <a:fld id="{3318CAA9-6109-436A-9564-8DCC684F8E06}" type="datetime1">
               <a:rPr lang="pt-BR" smtClean="0"/>
-              <a:t>01/07/2024</a:t>
+              <a:t>02/07/2024</a:t>
             </a:fld>
             <a:endParaRPr lang="pt-BR"/>
           </a:p>
@@ -2127,7 +2127,7 @@
           <a:p>
             <a:fld id="{47AE49D8-1D17-4525-BE54-B79D0FFD2DFE}" type="datetime1">
               <a:rPr lang="pt-BR" smtClean="0"/>
-              <a:t>01/07/2024</a:t>
+              <a:t>02/07/2024</a:t>
             </a:fld>
             <a:endParaRPr lang="pt-BR"/>
           </a:p>
@@ -2225,7 +2225,7 @@
           <a:p>
             <a:fld id="{8407C24C-0C94-4F54-AD48-061189CAEC0B}" type="datetime1">
               <a:rPr lang="pt-BR" smtClean="0"/>
-              <a:t>01/07/2024</a:t>
+              <a:t>02/07/2024</a:t>
             </a:fld>
             <a:endParaRPr lang="pt-BR"/>
           </a:p>
@@ -2505,7 +2505,7 @@
           <a:p>
             <a:fld id="{BB56A19D-544B-4E23-A126-4E28CF4EADC9}" type="datetime1">
               <a:rPr lang="pt-BR" smtClean="0"/>
-              <a:t>01/07/2024</a:t>
+              <a:t>02/07/2024</a:t>
             </a:fld>
             <a:endParaRPr lang="pt-BR"/>
           </a:p>
@@ -2765,7 +2765,7 @@
           <a:p>
             <a:fld id="{8DFBAC32-649E-44B8-AA80-19E74ADF5C6E}" type="datetime1">
               <a:rPr lang="pt-BR" smtClean="0"/>
-              <a:t>01/07/2024</a:t>
+              <a:t>02/07/2024</a:t>
             </a:fld>
             <a:endParaRPr lang="pt-BR"/>
           </a:p>
@@ -2981,7 +2981,7 @@
           <a:p>
             <a:fld id="{EA320A21-755C-40C6-ACD0-30B246E9BB49}" type="datetime1">
               <a:rPr lang="pt-BR" smtClean="0"/>
-              <a:t>01/07/2024</a:t>
+              <a:t>02/07/2024</a:t>
             </a:fld>
             <a:endParaRPr lang="pt-BR"/>
           </a:p>
@@ -3445,7 +3445,7 @@
         </p:nvSpPr>
         <p:spPr>
           <a:xfrm>
-            <a:off x="247650" y="190500"/>
+            <a:off x="247650" y="647700"/>
             <a:ext cx="9105900" cy="1569660"/>
           </a:xfrm>
           <a:prstGeom prst="rect">
@@ -3509,7 +3509,7 @@
         </p:nvSpPr>
         <p:spPr>
           <a:xfrm>
-            <a:off x="438150" y="10629900"/>
+            <a:off x="438150" y="11163300"/>
             <a:ext cx="8724900" cy="923330"/>
           </a:xfrm>
           <a:prstGeom prst="rect">
@@ -3555,7 +3555,7 @@
         </p:nvSpPr>
         <p:spPr>
           <a:xfrm>
-            <a:off x="1285874" y="11925300"/>
+            <a:off x="1285874" y="152400"/>
             <a:ext cx="7229475" cy="461665"/>
           </a:xfrm>
           <a:prstGeom prst="rect">
@@ -5209,7 +5209,7 @@
               <a:rPr lang="pt-BR" sz="4000" dirty="0">
                 <a:latin typeface="Impact" panose="020B0806030902050204" pitchFamily="34" charset="0"/>
               </a:rPr>
-              <a:t>Referências</a:t>
+              <a:t>Dica</a:t>
             </a:r>
             <a:endParaRPr lang="pt-BR" dirty="0">
               <a:latin typeface="Impact" panose="020B0806030902050204" pitchFamily="34" charset="0"/>
@@ -5692,7 +5692,7 @@
         <p:spPr>
           <a:xfrm>
             <a:off x="609600" y="2715339"/>
-            <a:ext cx="8534400" cy="1200329"/>
+            <a:ext cx="8534400" cy="1569660"/>
           </a:xfrm>
           <a:prstGeom prst="rect">
             <a:avLst/>
@@ -5711,7 +5711,7 @@
                 <a:ea typeface="Calibri" panose="020F0502020204030204" pitchFamily="34" charset="0"/>
                 <a:cs typeface="Calibri" panose="020F0502020204030204" pitchFamily="34" charset="0"/>
               </a:rPr>
-              <a:t>Este Ebook foi criado por IA e diagramado por humano como parte do projeto do </a:t>
+              <a:t>Este Ebook foi criado por IA e diagramado por humano como parte do projeto do Curso Santander | Santander </a:t>
             </a:r>
             <a:r>
               <a:rPr lang="pt-BR" sz="2400" dirty="0" err="1">
@@ -5727,7 +5727,17 @@
                 <a:ea typeface="Calibri" panose="020F0502020204030204" pitchFamily="34" charset="0"/>
                 <a:cs typeface="Calibri" panose="020F0502020204030204" pitchFamily="34" charset="0"/>
               </a:rPr>
-              <a:t> Santander 2024 na DIO – Fundamento de IA para DEVS</a:t>
+              <a:t> 2024 na DIO – Fundamento de IA para DEVS.</a:t>
+            </a:r>
+          </a:p>
+          <a:p>
+            <a:r>
+              <a:rPr lang="pt-BR" sz="2400" dirty="0">
+                <a:latin typeface="Calibri" panose="020F0502020204030204" pitchFamily="34" charset="0"/>
+                <a:ea typeface="Calibri" panose="020F0502020204030204" pitchFamily="34" charset="0"/>
+                <a:cs typeface="Calibri" panose="020F0502020204030204" pitchFamily="34" charset="0"/>
+              </a:rPr>
+              <a:t>Aguarde as próximas publicações.</a:t>
             </a:r>
             <a:endParaRPr lang="pt-BR" dirty="0">
               <a:latin typeface="Calibri" panose="020F0502020204030204" pitchFamily="34" charset="0"/>
@@ -5740,6 +5750,7 @@
       <p:pic>
         <p:nvPicPr>
           <p:cNvPr id="7" name="Imagem 6">
+            <a:hlinkClick r:id="rId2"/>
             <a:extLst>
               <a:ext uri="{FF2B5EF4-FFF2-40B4-BE49-F238E27FC236}">
                 <a16:creationId xmlns:a16="http://schemas.microsoft.com/office/drawing/2014/main" id="{8C6B43D2-C997-3EE8-550E-6DDF25178F09}"/>
@@ -5752,14 +5763,14 @@
           <p:nvPr/>
         </p:nvPicPr>
         <p:blipFill>
-          <a:blip r:embed="rId2"/>
+          <a:blip r:embed="rId3"/>
           <a:stretch>
             <a:fillRect/>
           </a:stretch>
         </p:blipFill>
         <p:spPr>
           <a:xfrm>
-            <a:off x="3581400" y="4362450"/>
+            <a:off x="3581400" y="4552950"/>
             <a:ext cx="2438400" cy="2438400"/>
           </a:xfrm>
           <a:prstGeom prst="rect">
@@ -5781,8 +5792,8 @@
         </p:nvSpPr>
         <p:spPr>
           <a:xfrm>
-            <a:off x="1857375" y="6800850"/>
-            <a:ext cx="5886450" cy="876300"/>
+            <a:off x="467742" y="6800850"/>
+            <a:ext cx="8676258" cy="876300"/>
           </a:xfrm>
           <a:prstGeom prst="rect">
             <a:avLst/>
@@ -5814,15 +5825,15 @@
           <a:p>
             <a:pPr algn="ctr"/>
             <a:r>
-              <a:rPr lang="pt-BR" sz="2800" dirty="0">
+              <a:rPr lang="pt-BR" sz="2200" dirty="0">
                 <a:solidFill>
                   <a:schemeClr val="tx1"/>
                 </a:solidFill>
-                <a:hlinkClick r:id="rId3"/>
+                <a:hlinkClick r:id="rId2"/>
               </a:rPr>
               <a:t>https://github.com/jrobertovl/prompts-recipe-to-create-a-ebook/</a:t>
             </a:r>
-            <a:endParaRPr lang="pt-BR" sz="2800" dirty="0">
+            <a:endParaRPr lang="pt-BR" sz="2200" dirty="0">
               <a:solidFill>
                 <a:schemeClr val="tx1"/>
               </a:solidFill>
